--- a/확률밀도:질량함수 임용고시 2013.pptx
+++ b/확률밀도:질량함수 임용고시 2013.pptx
@@ -8,9 +8,11 @@
     <p:sldId id="256" r:id="rId2"/>
     <p:sldId id="261" r:id="rId3"/>
     <p:sldId id="257" r:id="rId4"/>
-    <p:sldId id="262" r:id="rId5"/>
-    <p:sldId id="264" r:id="rId6"/>
-    <p:sldId id="265" r:id="rId7"/>
+    <p:sldId id="265" r:id="rId5"/>
+    <p:sldId id="266" r:id="rId6"/>
+    <p:sldId id="267" r:id="rId7"/>
+    <p:sldId id="268" r:id="rId8"/>
+    <p:sldId id="271" r:id="rId9"/>
   </p:sldIdLst>
   <p:sldSz cx="12192000" cy="6858000"/>
   <p:notesSz cx="6858000" cy="9144000"/>
@@ -248,7 +250,7 @@
           <a:p>
             <a:fld id="{5B3AD1D6-AE87-C841-B3FD-7C9F7FCAE5AE}" type="datetimeFigureOut">
               <a:rPr lang="en-US" smtClean="0"/>
-              <a:t>12/15/19</a:t>
+              <a:t>12/17/19</a:t>
             </a:fld>
             <a:endParaRPr lang="en-US"/>
           </a:p>
@@ -418,7 +420,7 @@
           <a:p>
             <a:fld id="{5B3AD1D6-AE87-C841-B3FD-7C9F7FCAE5AE}" type="datetimeFigureOut">
               <a:rPr lang="en-US" smtClean="0"/>
-              <a:t>12/15/19</a:t>
+              <a:t>12/17/19</a:t>
             </a:fld>
             <a:endParaRPr lang="en-US"/>
           </a:p>
@@ -598,7 +600,7 @@
           <a:p>
             <a:fld id="{5B3AD1D6-AE87-C841-B3FD-7C9F7FCAE5AE}" type="datetimeFigureOut">
               <a:rPr lang="en-US" smtClean="0"/>
-              <a:t>12/15/19</a:t>
+              <a:t>12/17/19</a:t>
             </a:fld>
             <a:endParaRPr lang="en-US"/>
           </a:p>
@@ -768,7 +770,7 @@
           <a:p>
             <a:fld id="{5B3AD1D6-AE87-C841-B3FD-7C9F7FCAE5AE}" type="datetimeFigureOut">
               <a:rPr lang="en-US" smtClean="0"/>
-              <a:t>12/15/19</a:t>
+              <a:t>12/17/19</a:t>
             </a:fld>
             <a:endParaRPr lang="en-US"/>
           </a:p>
@@ -1014,7 +1016,7 @@
           <a:p>
             <a:fld id="{5B3AD1D6-AE87-C841-B3FD-7C9F7FCAE5AE}" type="datetimeFigureOut">
               <a:rPr lang="en-US" smtClean="0"/>
-              <a:t>12/15/19</a:t>
+              <a:t>12/17/19</a:t>
             </a:fld>
             <a:endParaRPr lang="en-US"/>
           </a:p>
@@ -1246,7 +1248,7 @@
           <a:p>
             <a:fld id="{5B3AD1D6-AE87-C841-B3FD-7C9F7FCAE5AE}" type="datetimeFigureOut">
               <a:rPr lang="en-US" smtClean="0"/>
-              <a:t>12/15/19</a:t>
+              <a:t>12/17/19</a:t>
             </a:fld>
             <a:endParaRPr lang="en-US"/>
           </a:p>
@@ -1613,7 +1615,7 @@
           <a:p>
             <a:fld id="{5B3AD1D6-AE87-C841-B3FD-7C9F7FCAE5AE}" type="datetimeFigureOut">
               <a:rPr lang="en-US" smtClean="0"/>
-              <a:t>12/15/19</a:t>
+              <a:t>12/17/19</a:t>
             </a:fld>
             <a:endParaRPr lang="en-US"/>
           </a:p>
@@ -1731,7 +1733,7 @@
           <a:p>
             <a:fld id="{5B3AD1D6-AE87-C841-B3FD-7C9F7FCAE5AE}" type="datetimeFigureOut">
               <a:rPr lang="en-US" smtClean="0"/>
-              <a:t>12/15/19</a:t>
+              <a:t>12/17/19</a:t>
             </a:fld>
             <a:endParaRPr lang="en-US"/>
           </a:p>
@@ -1826,7 +1828,7 @@
           <a:p>
             <a:fld id="{5B3AD1D6-AE87-C841-B3FD-7C9F7FCAE5AE}" type="datetimeFigureOut">
               <a:rPr lang="en-US" smtClean="0"/>
-              <a:t>12/15/19</a:t>
+              <a:t>12/17/19</a:t>
             </a:fld>
             <a:endParaRPr lang="en-US"/>
           </a:p>
@@ -2103,7 +2105,7 @@
           <a:p>
             <a:fld id="{5B3AD1D6-AE87-C841-B3FD-7C9F7FCAE5AE}" type="datetimeFigureOut">
               <a:rPr lang="en-US" smtClean="0"/>
-              <a:t>12/15/19</a:t>
+              <a:t>12/17/19</a:t>
             </a:fld>
             <a:endParaRPr lang="en-US"/>
           </a:p>
@@ -2356,7 +2358,7 @@
           <a:p>
             <a:fld id="{5B3AD1D6-AE87-C841-B3FD-7C9F7FCAE5AE}" type="datetimeFigureOut">
               <a:rPr lang="en-US" smtClean="0"/>
-              <a:t>12/15/19</a:t>
+              <a:t>12/17/19</a:t>
             </a:fld>
             <a:endParaRPr lang="en-US"/>
           </a:p>
@@ -2569,7 +2571,7 @@
           <a:p>
             <a:fld id="{5B3AD1D6-AE87-C841-B3FD-7C9F7FCAE5AE}" type="datetimeFigureOut">
               <a:rPr lang="en-US" smtClean="0"/>
-              <a:t>12/15/19</a:t>
+              <a:t>12/17/19</a:t>
             </a:fld>
             <a:endParaRPr lang="en-US"/>
           </a:p>
@@ -3184,53 +3186,6 @@
               </a:rPr>
               <a:t>on</a:t>
             </a:r>
-            <a:r>
-              <a:rPr lang="en-US" sz="6700" smtClean="0">
-                <a:latin typeface="Arial Black" charset="0"/>
-                <a:ea typeface="Arial Black" charset="0"/>
-                <a:cs typeface="Arial Black" charset="0"/>
-              </a:rPr>
-              <a:t/>
-            </a:r>
-            <a:br>
-              <a:rPr lang="en-US" sz="6700" smtClean="0">
-                <a:latin typeface="Arial Black" charset="0"/>
-                <a:ea typeface="Arial Black" charset="0"/>
-                <a:cs typeface="Arial Black" charset="0"/>
-              </a:rPr>
-            </a:br>
-            <a:r>
-              <a:rPr lang="en-US" sz="6700" smtClean="0">
-                <a:latin typeface="Arial Black" charset="0"/>
-                <a:ea typeface="Arial Black" charset="0"/>
-                <a:cs typeface="Arial Black" charset="0"/>
-              </a:rPr>
-              <a:t>PMF</a:t>
-            </a:r>
-            <a:r>
-              <a:rPr lang="ko-KR" altLang="en-US" sz="6700" dirty="0" smtClean="0">
-                <a:latin typeface="Arial Black" charset="0"/>
-                <a:ea typeface="Arial Black" charset="0"/>
-                <a:cs typeface="Arial Black" charset="0"/>
-              </a:rPr>
-              <a:t> </a:t>
-            </a:r>
-            <a:r>
-              <a:rPr lang="en-US" altLang="ko-KR" sz="6700" dirty="0" smtClean="0">
-                <a:latin typeface="Arial Black" charset="0"/>
-                <a:ea typeface="Arial Black" charset="0"/>
-                <a:cs typeface="Arial Black" charset="0"/>
-              </a:rPr>
-              <a:t>and PDF</a:t>
-            </a:r>
-            <a:r>
-              <a:rPr lang="en-US" sz="6700" dirty="0" smtClean="0">
-                <a:latin typeface="Arial Black" charset="0"/>
-                <a:ea typeface="Arial Black" charset="0"/>
-                <a:cs typeface="Arial Black" charset="0"/>
-              </a:rPr>
-              <a:t/>
-            </a:r>
             <a:br>
               <a:rPr lang="en-US" sz="6700" dirty="0" smtClean="0">
                 <a:latin typeface="Arial Black" charset="0"/>
@@ -3238,6 +3193,45 @@
                 <a:cs typeface="Arial Black" charset="0"/>
               </a:rPr>
             </a:br>
+            <a:r>
+              <a:rPr lang="en-US" sz="6700" dirty="0" smtClean="0">
+                <a:latin typeface="Arial Black" charset="0"/>
+                <a:ea typeface="Arial Black" charset="0"/>
+                <a:cs typeface="Arial Black" charset="0"/>
+              </a:rPr>
+              <a:t>PMF</a:t>
+            </a:r>
+            <a:r>
+              <a:rPr lang="ko-KR" altLang="en-US" sz="6700" dirty="0" smtClean="0">
+                <a:latin typeface="Arial Black" charset="0"/>
+                <a:ea typeface="Arial Black" charset="0"/>
+                <a:cs typeface="Arial Black" charset="0"/>
+              </a:rPr>
+              <a:t> </a:t>
+            </a:r>
+            <a:r>
+              <a:rPr lang="en-US" altLang="ko-KR" sz="6700" dirty="0" smtClean="0">
+                <a:latin typeface="Arial Black" charset="0"/>
+                <a:ea typeface="Arial Black" charset="0"/>
+                <a:cs typeface="Arial Black" charset="0"/>
+              </a:rPr>
+              <a:t>and PDF</a:t>
+            </a:r>
+            <a:br>
+              <a:rPr lang="en-US" altLang="ko-KR" sz="6700" dirty="0" smtClean="0">
+                <a:latin typeface="Arial Black" charset="0"/>
+                <a:ea typeface="Arial Black" charset="0"/>
+                <a:cs typeface="Arial Black" charset="0"/>
+              </a:rPr>
+            </a:br>
+            <a:r>
+              <a:rPr lang="en-US" altLang="ko-KR" sz="6700" dirty="0" smtClean="0">
+                <a:latin typeface="Arial Black" charset="0"/>
+                <a:ea typeface="Arial Black" charset="0"/>
+                <a:cs typeface="Arial Black" charset="0"/>
+              </a:rPr>
+              <a:t>2013</a:t>
+            </a:r>
             <a:r>
               <a:rPr lang="en-US" sz="6700" dirty="0" smtClean="0">
                 <a:latin typeface="Arial Black" charset="0"/>
@@ -3297,6 +3291,13 @@
   <p:clrMapOvr>
     <a:masterClrMapping/>
   </p:clrMapOvr>
+  <p:timing>
+    <p:tnLst>
+      <p:par>
+        <p:cTn id="1" dur="indefinite" restart="never" nodeType="tmRoot"/>
+      </p:par>
+    </p:tnLst>
+  </p:timing>
 </p:sld>
 </file>
 
@@ -3552,6 +3553,13 @@
   <p:clrMapOvr>
     <a:masterClrMapping/>
   </p:clrMapOvr>
+  <p:timing>
+    <p:tnLst>
+      <p:par>
+        <p:cTn id="1" dur="indefinite" restart="never" nodeType="tmRoot"/>
+      </p:par>
+    </p:tnLst>
+  </p:timing>
 </p:sld>
 </file>
 
@@ -3594,7 +3602,7 @@
         </p:blipFill>
         <p:spPr>
           <a:xfrm>
-            <a:off x="2643335" y="3596640"/>
+            <a:off x="2643335" y="3020907"/>
             <a:ext cx="6905330" cy="2938780"/>
           </a:xfrm>
           <a:prstGeom prst="rect">
@@ -3604,7 +3612,7 @@
       </p:pic>
       <p:pic>
         <p:nvPicPr>
-          <p:cNvPr id="5" name="Picture 4"/>
+          <p:cNvPr id="4" name="Picture 3"/>
           <p:cNvPicPr>
             <a:picLocks noChangeAspect="1"/>
           </p:cNvPicPr>
@@ -3624,8 +3632,8 @@
         </p:blipFill>
         <p:spPr>
           <a:xfrm>
-            <a:off x="2941299" y="127000"/>
-            <a:ext cx="6309402" cy="3241040"/>
+            <a:off x="1778000" y="944034"/>
+            <a:ext cx="8636000" cy="1651000"/>
           </a:xfrm>
           <a:prstGeom prst="rect">
             <a:avLst/>
@@ -3634,7 +3642,7 @@
       </p:pic>
       <p:pic>
         <p:nvPicPr>
-          <p:cNvPr id="3" name="Picture 2"/>
+          <p:cNvPr id="6" name="Picture 5"/>
           <p:cNvPicPr>
             <a:picLocks noChangeAspect="1"/>
           </p:cNvPicPr>
@@ -3654,8 +3662,68 @@
         </p:blipFill>
         <p:spPr>
           <a:xfrm>
-            <a:off x="2042160" y="3368040"/>
-            <a:ext cx="8214360" cy="3167380"/>
+            <a:off x="3872089" y="1557867"/>
+            <a:ext cx="6423378" cy="1343377"/>
+          </a:xfrm>
+          <a:prstGeom prst="rect">
+            <a:avLst/>
+          </a:prstGeom>
+        </p:spPr>
+      </p:pic>
+      <p:pic>
+        <p:nvPicPr>
+          <p:cNvPr id="7" name="Picture 6"/>
+          <p:cNvPicPr>
+            <a:picLocks noChangeAspect="1"/>
+          </p:cNvPicPr>
+          <p:nvPr/>
+        </p:nvPicPr>
+        <p:blipFill>
+          <a:blip r:embed="rId4">
+            <a:extLst>
+              <a:ext uri="{28A0092B-C50C-407E-A947-70E740481C1C}">
+                <a14:useLocalDpi xmlns:a14="http://schemas.microsoft.com/office/drawing/2010/main" val="0"/>
+              </a:ext>
+            </a:extLst>
+          </a:blip>
+          <a:stretch>
+            <a:fillRect/>
+          </a:stretch>
+        </p:blipFill>
+        <p:spPr>
+          <a:xfrm>
+            <a:off x="2135334" y="2109471"/>
+            <a:ext cx="1951243" cy="698500"/>
+          </a:xfrm>
+          <a:prstGeom prst="rect">
+            <a:avLst/>
+          </a:prstGeom>
+        </p:spPr>
+      </p:pic>
+      <p:pic>
+        <p:nvPicPr>
+          <p:cNvPr id="8" name="Picture 7"/>
+          <p:cNvPicPr>
+            <a:picLocks noChangeAspect="1"/>
+          </p:cNvPicPr>
+          <p:nvPr/>
+        </p:nvPicPr>
+        <p:blipFill>
+          <a:blip r:embed="rId4">
+            <a:extLst>
+              <a:ext uri="{28A0092B-C50C-407E-A947-70E740481C1C}">
+                <a14:useLocalDpi xmlns:a14="http://schemas.microsoft.com/office/drawing/2010/main" val="0"/>
+              </a:ext>
+            </a:extLst>
+          </a:blip>
+          <a:stretch>
+            <a:fillRect/>
+          </a:stretch>
+        </p:blipFill>
+        <p:spPr>
+          <a:xfrm>
+            <a:off x="2235201" y="3073399"/>
+            <a:ext cx="8545688" cy="2886287"/>
           </a:xfrm>
           <a:prstGeom prst="rect">
             <a:avLst/>
@@ -3665,13 +3733,20 @@
     </p:spTree>
     <p:extLst>
       <p:ext uri="{BB962C8B-B14F-4D97-AF65-F5344CB8AC3E}">
-        <p14:creationId xmlns:p14="http://schemas.microsoft.com/office/powerpoint/2010/main" val="518026674"/>
+        <p14:creationId xmlns:p14="http://schemas.microsoft.com/office/powerpoint/2010/main" val="1430591823"/>
       </p:ext>
     </p:extLst>
   </p:cSld>
   <p:clrMapOvr>
     <a:masterClrMapping/>
   </p:clrMapOvr>
+  <p:timing>
+    <p:tnLst>
+      <p:par>
+        <p:cTn id="1" dur="indefinite" restart="never" nodeType="tmRoot"/>
+      </p:par>
+    </p:tnLst>
+  </p:timing>
 </p:sld>
 </file>
 
@@ -3714,7 +3789,7 @@
         </p:blipFill>
         <p:spPr>
           <a:xfrm>
-            <a:off x="2643335" y="3596640"/>
+            <a:off x="2643335" y="3020907"/>
             <a:ext cx="6905330" cy="2938780"/>
           </a:xfrm>
           <a:prstGeom prst="rect">
@@ -3724,7 +3799,7 @@
       </p:pic>
       <p:pic>
         <p:nvPicPr>
-          <p:cNvPr id="5" name="Picture 4"/>
+          <p:cNvPr id="4" name="Picture 3"/>
           <p:cNvPicPr>
             <a:picLocks noChangeAspect="1"/>
           </p:cNvPicPr>
@@ -3744,8 +3819,8 @@
         </p:blipFill>
         <p:spPr>
           <a:xfrm>
-            <a:off x="2941299" y="127000"/>
-            <a:ext cx="6309402" cy="3241040"/>
+            <a:off x="1778000" y="944034"/>
+            <a:ext cx="8636000" cy="1651000"/>
           </a:xfrm>
           <a:prstGeom prst="rect">
             <a:avLst/>
@@ -3754,7 +3829,7 @@
       </p:pic>
       <p:pic>
         <p:nvPicPr>
-          <p:cNvPr id="3" name="Picture 2"/>
+          <p:cNvPr id="6" name="Picture 5"/>
           <p:cNvPicPr>
             <a:picLocks noChangeAspect="1"/>
           </p:cNvPicPr>
@@ -3774,8 +3849,68 @@
         </p:blipFill>
         <p:spPr>
           <a:xfrm>
-            <a:off x="2042160" y="5227320"/>
-            <a:ext cx="8214360" cy="1308100"/>
+            <a:off x="3872089" y="1557867"/>
+            <a:ext cx="6423378" cy="1343377"/>
+          </a:xfrm>
+          <a:prstGeom prst="rect">
+            <a:avLst/>
+          </a:prstGeom>
+        </p:spPr>
+      </p:pic>
+      <p:pic>
+        <p:nvPicPr>
+          <p:cNvPr id="7" name="Picture 6"/>
+          <p:cNvPicPr>
+            <a:picLocks noChangeAspect="1"/>
+          </p:cNvPicPr>
+          <p:nvPr/>
+        </p:nvPicPr>
+        <p:blipFill>
+          <a:blip r:embed="rId4">
+            <a:extLst>
+              <a:ext uri="{28A0092B-C50C-407E-A947-70E740481C1C}">
+                <a14:useLocalDpi xmlns:a14="http://schemas.microsoft.com/office/drawing/2010/main" val="0"/>
+              </a:ext>
+            </a:extLst>
+          </a:blip>
+          <a:stretch>
+            <a:fillRect/>
+          </a:stretch>
+        </p:blipFill>
+        <p:spPr>
+          <a:xfrm>
+            <a:off x="2135334" y="2109471"/>
+            <a:ext cx="1951243" cy="698500"/>
+          </a:xfrm>
+          <a:prstGeom prst="rect">
+            <a:avLst/>
+          </a:prstGeom>
+        </p:spPr>
+      </p:pic>
+      <p:pic>
+        <p:nvPicPr>
+          <p:cNvPr id="8" name="Picture 7"/>
+          <p:cNvPicPr>
+            <a:picLocks noChangeAspect="1"/>
+          </p:cNvPicPr>
+          <p:nvPr/>
+        </p:nvPicPr>
+        <p:blipFill>
+          <a:blip r:embed="rId4">
+            <a:extLst>
+              <a:ext uri="{28A0092B-C50C-407E-A947-70E740481C1C}">
+                <a14:useLocalDpi xmlns:a14="http://schemas.microsoft.com/office/drawing/2010/main" val="0"/>
+              </a:ext>
+            </a:extLst>
+          </a:blip>
+          <a:stretch>
+            <a:fillRect/>
+          </a:stretch>
+        </p:blipFill>
+        <p:spPr>
+          <a:xfrm>
+            <a:off x="2235201" y="4617156"/>
+            <a:ext cx="8545688" cy="1342531"/>
           </a:xfrm>
           <a:prstGeom prst="rect">
             <a:avLst/>
@@ -3785,13 +3920,20 @@
     </p:spTree>
     <p:extLst>
       <p:ext uri="{BB962C8B-B14F-4D97-AF65-F5344CB8AC3E}">
-        <p14:creationId xmlns:p14="http://schemas.microsoft.com/office/powerpoint/2010/main" val="1136022597"/>
+        <p14:creationId xmlns:p14="http://schemas.microsoft.com/office/powerpoint/2010/main" val="1948919208"/>
       </p:ext>
     </p:extLst>
   </p:cSld>
   <p:clrMapOvr>
     <a:masterClrMapping/>
   </p:clrMapOvr>
+  <p:timing>
+    <p:tnLst>
+      <p:par>
+        <p:cTn id="1" dur="indefinite" restart="never" nodeType="tmRoot"/>
+      </p:par>
+    </p:tnLst>
+  </p:timing>
 </p:sld>
 </file>
 
@@ -3834,7 +3976,7 @@
         </p:blipFill>
         <p:spPr>
           <a:xfrm>
-            <a:off x="2643335" y="3596640"/>
+            <a:off x="2643335" y="3020907"/>
             <a:ext cx="6905330" cy="2938780"/>
           </a:xfrm>
           <a:prstGeom prst="rect">
@@ -3844,7 +3986,7 @@
       </p:pic>
       <p:pic>
         <p:nvPicPr>
-          <p:cNvPr id="5" name="Picture 4"/>
+          <p:cNvPr id="4" name="Picture 3"/>
           <p:cNvPicPr>
             <a:picLocks noChangeAspect="1"/>
           </p:cNvPicPr>
@@ -3864,8 +4006,38 @@
         </p:blipFill>
         <p:spPr>
           <a:xfrm>
-            <a:off x="2941299" y="127000"/>
-            <a:ext cx="6309402" cy="3241040"/>
+            <a:off x="1778000" y="944034"/>
+            <a:ext cx="8636000" cy="1651000"/>
+          </a:xfrm>
+          <a:prstGeom prst="rect">
+            <a:avLst/>
+          </a:prstGeom>
+        </p:spPr>
+      </p:pic>
+      <p:pic>
+        <p:nvPicPr>
+          <p:cNvPr id="8" name="Picture 7"/>
+          <p:cNvPicPr>
+            <a:picLocks noChangeAspect="1"/>
+          </p:cNvPicPr>
+          <p:nvPr/>
+        </p:nvPicPr>
+        <p:blipFill>
+          <a:blip r:embed="rId4">
+            <a:extLst>
+              <a:ext uri="{28A0092B-C50C-407E-A947-70E740481C1C}">
+                <a14:useLocalDpi xmlns:a14="http://schemas.microsoft.com/office/drawing/2010/main" val="0"/>
+              </a:ext>
+            </a:extLst>
+          </a:blip>
+          <a:stretch>
+            <a:fillRect/>
+          </a:stretch>
+        </p:blipFill>
+        <p:spPr>
+          <a:xfrm>
+            <a:off x="2235201" y="4617156"/>
+            <a:ext cx="8545688" cy="1342531"/>
           </a:xfrm>
           <a:prstGeom prst="rect">
             <a:avLst/>
@@ -3875,13 +4047,274 @@
     </p:spTree>
     <p:extLst>
       <p:ext uri="{BB962C8B-B14F-4D97-AF65-F5344CB8AC3E}">
-        <p14:creationId xmlns:p14="http://schemas.microsoft.com/office/powerpoint/2010/main" val="1430591823"/>
+        <p14:creationId xmlns:p14="http://schemas.microsoft.com/office/powerpoint/2010/main" val="779196189"/>
       </p:ext>
     </p:extLst>
   </p:cSld>
   <p:clrMapOvr>
     <a:masterClrMapping/>
   </p:clrMapOvr>
+  <p:timing>
+    <p:tnLst>
+      <p:par>
+        <p:cTn id="1" dur="indefinite" restart="never" nodeType="tmRoot"/>
+      </p:par>
+    </p:tnLst>
+  </p:timing>
+</p:sld>
+</file>
+
+<file path=ppt/slides/slide7.xml><?xml version="1.0" encoding="utf-8"?>
+<p:sld xmlns:a="http://schemas.openxmlformats.org/drawingml/2006/main" xmlns:r="http://schemas.openxmlformats.org/officeDocument/2006/relationships" xmlns:p="http://schemas.openxmlformats.org/presentationml/2006/main">
+  <p:cSld>
+    <p:spTree>
+      <p:nvGrpSpPr>
+        <p:cNvPr id="1" name=""/>
+        <p:cNvGrpSpPr/>
+        <p:nvPr/>
+      </p:nvGrpSpPr>
+      <p:grpSpPr>
+        <a:xfrm>
+          <a:off x="0" y="0"/>
+          <a:ext cx="0" cy="0"/>
+          <a:chOff x="0" y="0"/>
+          <a:chExt cx="0" cy="0"/>
+        </a:xfrm>
+      </p:grpSpPr>
+      <p:pic>
+        <p:nvPicPr>
+          <p:cNvPr id="2" name="Picture 1"/>
+          <p:cNvPicPr>
+            <a:picLocks noChangeAspect="1"/>
+          </p:cNvPicPr>
+          <p:nvPr/>
+        </p:nvPicPr>
+        <p:blipFill>
+          <a:blip r:embed="rId2">
+            <a:extLst>
+              <a:ext uri="{28A0092B-C50C-407E-A947-70E740481C1C}">
+                <a14:useLocalDpi xmlns:a14="http://schemas.microsoft.com/office/drawing/2010/main" val="0"/>
+              </a:ext>
+            </a:extLst>
+          </a:blip>
+          <a:stretch>
+            <a:fillRect/>
+          </a:stretch>
+        </p:blipFill>
+        <p:spPr>
+          <a:xfrm>
+            <a:off x="2643335" y="3020907"/>
+            <a:ext cx="6905330" cy="2938780"/>
+          </a:xfrm>
+          <a:prstGeom prst="rect">
+            <a:avLst/>
+          </a:prstGeom>
+        </p:spPr>
+      </p:pic>
+      <p:pic>
+        <p:nvPicPr>
+          <p:cNvPr id="4" name="Picture 3"/>
+          <p:cNvPicPr>
+            <a:picLocks noChangeAspect="1"/>
+          </p:cNvPicPr>
+          <p:nvPr/>
+        </p:nvPicPr>
+        <p:blipFill>
+          <a:blip r:embed="rId3">
+            <a:extLst>
+              <a:ext uri="{28A0092B-C50C-407E-A947-70E740481C1C}">
+                <a14:useLocalDpi xmlns:a14="http://schemas.microsoft.com/office/drawing/2010/main" val="0"/>
+              </a:ext>
+            </a:extLst>
+          </a:blip>
+          <a:stretch>
+            <a:fillRect/>
+          </a:stretch>
+        </p:blipFill>
+        <p:spPr>
+          <a:xfrm>
+            <a:off x="1778000" y="944034"/>
+            <a:ext cx="8636000" cy="1651000"/>
+          </a:xfrm>
+          <a:prstGeom prst="rect">
+            <a:avLst/>
+          </a:prstGeom>
+        </p:spPr>
+      </p:pic>
+      <p:pic>
+        <p:nvPicPr>
+          <p:cNvPr id="3" name="Picture 2"/>
+          <p:cNvPicPr>
+            <a:picLocks noChangeAspect="1"/>
+          </p:cNvPicPr>
+          <p:nvPr/>
+        </p:nvPicPr>
+        <p:blipFill>
+          <a:blip r:embed="rId4">
+            <a:extLst>
+              <a:ext uri="{28A0092B-C50C-407E-A947-70E740481C1C}">
+                <a14:useLocalDpi xmlns:a14="http://schemas.microsoft.com/office/drawing/2010/main" val="0"/>
+              </a:ext>
+            </a:extLst>
+          </a:blip>
+          <a:stretch>
+            <a:fillRect/>
+          </a:stretch>
+        </p:blipFill>
+        <p:spPr>
+          <a:xfrm>
+            <a:off x="4691218" y="4780786"/>
+            <a:ext cx="2561964" cy="1044279"/>
+          </a:xfrm>
+          <a:prstGeom prst="rect">
+            <a:avLst/>
+          </a:prstGeom>
+        </p:spPr>
+      </p:pic>
+    </p:spTree>
+    <p:extLst>
+      <p:ext uri="{BB962C8B-B14F-4D97-AF65-F5344CB8AC3E}">
+        <p14:creationId xmlns:p14="http://schemas.microsoft.com/office/powerpoint/2010/main" val="1372583815"/>
+      </p:ext>
+    </p:extLst>
+  </p:cSld>
+  <p:clrMapOvr>
+    <a:masterClrMapping/>
+  </p:clrMapOvr>
+  <p:timing>
+    <p:tnLst>
+      <p:par>
+        <p:cTn id="1" dur="indefinite" restart="never" nodeType="tmRoot"/>
+      </p:par>
+    </p:tnLst>
+  </p:timing>
+</p:sld>
+</file>
+
+<file path=ppt/slides/slide8.xml><?xml version="1.0" encoding="utf-8"?>
+<p:sld xmlns:a="http://schemas.openxmlformats.org/drawingml/2006/main" xmlns:r="http://schemas.openxmlformats.org/officeDocument/2006/relationships" xmlns:p="http://schemas.openxmlformats.org/presentationml/2006/main">
+  <p:cSld>
+    <p:spTree>
+      <p:nvGrpSpPr>
+        <p:cNvPr id="1" name=""/>
+        <p:cNvGrpSpPr/>
+        <p:nvPr/>
+      </p:nvGrpSpPr>
+      <p:grpSpPr>
+        <a:xfrm>
+          <a:off x="0" y="0"/>
+          <a:ext cx="0" cy="0"/>
+          <a:chOff x="0" y="0"/>
+          <a:chExt cx="0" cy="0"/>
+        </a:xfrm>
+      </p:grpSpPr>
+      <p:pic>
+        <p:nvPicPr>
+          <p:cNvPr id="2" name="Picture 1"/>
+          <p:cNvPicPr>
+            <a:picLocks noChangeAspect="1"/>
+          </p:cNvPicPr>
+          <p:nvPr/>
+        </p:nvPicPr>
+        <p:blipFill>
+          <a:blip r:embed="rId2">
+            <a:extLst>
+              <a:ext uri="{28A0092B-C50C-407E-A947-70E740481C1C}">
+                <a14:useLocalDpi xmlns:a14="http://schemas.microsoft.com/office/drawing/2010/main" val="0"/>
+              </a:ext>
+            </a:extLst>
+          </a:blip>
+          <a:stretch>
+            <a:fillRect/>
+          </a:stretch>
+        </p:blipFill>
+        <p:spPr>
+          <a:xfrm>
+            <a:off x="2643335" y="3020907"/>
+            <a:ext cx="6905330" cy="2938780"/>
+          </a:xfrm>
+          <a:prstGeom prst="rect">
+            <a:avLst/>
+          </a:prstGeom>
+        </p:spPr>
+      </p:pic>
+      <p:pic>
+        <p:nvPicPr>
+          <p:cNvPr id="3" name="Picture 2"/>
+          <p:cNvPicPr>
+            <a:picLocks noChangeAspect="1"/>
+          </p:cNvPicPr>
+          <p:nvPr/>
+        </p:nvPicPr>
+        <p:blipFill>
+          <a:blip r:embed="rId3">
+            <a:extLst>
+              <a:ext uri="{28A0092B-C50C-407E-A947-70E740481C1C}">
+                <a14:useLocalDpi xmlns:a14="http://schemas.microsoft.com/office/drawing/2010/main" val="0"/>
+              </a:ext>
+            </a:extLst>
+          </a:blip>
+          <a:stretch>
+            <a:fillRect/>
+          </a:stretch>
+        </p:blipFill>
+        <p:spPr>
+          <a:xfrm>
+            <a:off x="4691218" y="4780786"/>
+            <a:ext cx="2561964" cy="1044279"/>
+          </a:xfrm>
+          <a:prstGeom prst="rect">
+            <a:avLst/>
+          </a:prstGeom>
+        </p:spPr>
+      </p:pic>
+      <p:pic>
+        <p:nvPicPr>
+          <p:cNvPr id="5" name="Picture 4"/>
+          <p:cNvPicPr>
+            <a:picLocks noChangeAspect="1"/>
+          </p:cNvPicPr>
+          <p:nvPr/>
+        </p:nvPicPr>
+        <p:blipFill>
+          <a:blip r:embed="rId4">
+            <a:extLst>
+              <a:ext uri="{28A0092B-C50C-407E-A947-70E740481C1C}">
+                <a14:useLocalDpi xmlns:a14="http://schemas.microsoft.com/office/drawing/2010/main" val="0"/>
+              </a:ext>
+            </a:extLst>
+          </a:blip>
+          <a:stretch>
+            <a:fillRect/>
+          </a:stretch>
+        </p:blipFill>
+        <p:spPr>
+          <a:xfrm>
+            <a:off x="1905000" y="177941"/>
+            <a:ext cx="8382000" cy="4368800"/>
+          </a:xfrm>
+          <a:prstGeom prst="rect">
+            <a:avLst/>
+          </a:prstGeom>
+        </p:spPr>
+      </p:pic>
+    </p:spTree>
+    <p:extLst>
+      <p:ext uri="{BB962C8B-B14F-4D97-AF65-F5344CB8AC3E}">
+        <p14:creationId xmlns:p14="http://schemas.microsoft.com/office/powerpoint/2010/main" val="1298277771"/>
+      </p:ext>
+    </p:extLst>
+  </p:cSld>
+  <p:clrMapOvr>
+    <a:masterClrMapping/>
+  </p:clrMapOvr>
+  <p:timing>
+    <p:tnLst>
+      <p:par>
+        <p:cTn id="1" dur="indefinite" restart="never" nodeType="tmRoot"/>
+      </p:par>
+    </p:tnLst>
+  </p:timing>
 </p:sld>
 </file>
 
